--- a/slide/themes/src/05_green leaf.pptx
+++ b/slide/themes/src/05_green leaf.pptx
@@ -156,7 +156,7 @@
       </p:grpSpPr>
       <p:sp>
         <p:nvSpPr>
-          <p:cNvPr id="7" name="Прямоугольник 6"/>
+          <p:cNvPr id="7" name="Rectangle 6"/>
           <p:cNvSpPr/>
           <p:nvPr userDrawn="1"/>
         </p:nvSpPr>
@@ -180,7 +180,7 @@
       </p:sp>
       <p:sp>
         <p:nvSpPr>
-          <p:cNvPr id="17" name="Прямоугольник 16"/>
+          <p:cNvPr id="17" name="Rectangle 16"/>
           <p:cNvSpPr/>
           <p:nvPr userDrawn="1"/>
         </p:nvSpPr>
@@ -204,7 +204,7 @@
       </p:sp>
       <p:sp>
         <p:nvSpPr>
-          <p:cNvPr id="19" name="Прямоугольник 18"/>
+          <p:cNvPr id="19" name="Rectangle 18"/>
           <p:cNvSpPr/>
           <p:nvPr userDrawn="1"/>
         </p:nvSpPr>
@@ -228,7 +228,7 @@
       </p:sp>
       <p:sp>
         <p:nvSpPr>
-          <p:cNvPr id="20" name="Прямоугольник 19"/>
+          <p:cNvPr id="20" name="Rectangle 19"/>
           <p:cNvSpPr/>
           <p:nvPr userDrawn="1"/>
         </p:nvSpPr>
@@ -252,7 +252,7 @@
       </p:sp>
       <p:sp>
         <p:nvSpPr>
-          <p:cNvPr id="22" name="Прямоугольник 21"/>
+          <p:cNvPr id="22" name="Rectangle 21"/>
           <p:cNvSpPr/>
           <p:nvPr userDrawn="1"/>
         </p:nvSpPr>
@@ -276,7 +276,7 @@
       </p:sp>
       <p:sp>
         <p:nvSpPr>
-          <p:cNvPr id="23" name="Прямоугольник 22"/>
+          <p:cNvPr id="23" name="Rectangle 22"/>
           <p:cNvSpPr/>
           <p:nvPr userDrawn="1"/>
         </p:nvSpPr>
@@ -300,7 +300,7 @@
       </p:sp>
       <p:sp>
         <p:nvSpPr>
-          <p:cNvPr id="25" name="Прямоугольник 24"/>
+          <p:cNvPr id="25" name="Rectangle 24"/>
           <p:cNvSpPr/>
           <p:nvPr userDrawn="1"/>
         </p:nvSpPr>
@@ -324,7 +324,7 @@
       </p:sp>
       <p:sp>
         <p:nvSpPr>
-          <p:cNvPr id="27" name="Прямоугольник 26"/>
+          <p:cNvPr id="27" name="Rectangle 26"/>
           <p:cNvSpPr/>
           <p:nvPr userDrawn="1"/>
         </p:nvSpPr>
@@ -348,7 +348,7 @@
       </p:sp>
       <p:sp>
         <p:nvSpPr>
-          <p:cNvPr id="28" name="Прямоугольник 27"/>
+          <p:cNvPr id="28" name="Rectangle 27"/>
           <p:cNvSpPr/>
           <p:nvPr userDrawn="1"/>
         </p:nvSpPr>
@@ -372,7 +372,7 @@
       </p:sp>
       <p:sp>
         <p:nvSpPr>
-          <p:cNvPr id="29" name="Прямоугольник 28"/>
+          <p:cNvPr id="29" name="Rectangle 28"/>
           <p:cNvSpPr/>
           <p:nvPr userDrawn="1"/>
         </p:nvSpPr>
@@ -396,7 +396,7 @@
       </p:sp>
       <p:sp>
         <p:nvSpPr>
-          <p:cNvPr id="26" name="Прямоугольник 25"/>
+          <p:cNvPr id="26" name="Rectangle 25"/>
           <p:cNvSpPr/>
           <p:nvPr userDrawn="1"/>
         </p:nvSpPr>
@@ -420,7 +420,7 @@
       </p:sp>
       <p:sp>
         <p:nvSpPr>
-          <p:cNvPr id="21" name="Прямоугольник 20"/>
+          <p:cNvPr id="21" name="Rectangle 20"/>
           <p:cNvSpPr/>
           <p:nvPr userDrawn="1"/>
         </p:nvSpPr>
@@ -444,7 +444,7 @@
       </p:sp>
       <p:sp>
         <p:nvSpPr>
-          <p:cNvPr id="44" name="Прямоугольник 43"/>
+          <p:cNvPr id="44" name="Rectangle 43"/>
           <p:cNvSpPr/>
           <p:nvPr userDrawn="1"/>
         </p:nvSpPr>
@@ -468,7 +468,7 @@
       </p:sp>
       <p:sp>
         <p:nvSpPr>
-          <p:cNvPr id="46" name="Прямоугольник 45"/>
+          <p:cNvPr id="46" name="Rectangle 45"/>
           <p:cNvSpPr/>
           <p:nvPr userDrawn="1"/>
         </p:nvSpPr>
@@ -492,7 +492,7 @@
       </p:sp>
       <p:sp>
         <p:nvSpPr>
-          <p:cNvPr id="45" name="Прямоугольник 44"/>
+          <p:cNvPr id="45" name="Rectangle 44"/>
           <p:cNvSpPr/>
           <p:nvPr userDrawn="1"/>
         </p:nvSpPr>
@@ -634,8 +634,8 @@
           </a:lstStyle>
           <a:p>
             <a:r>
-              <a:rPr lang="ru-RU" smtClean="0"/>
-              <a:t>Образец подзаголовка</a:t>
+              <a:rPr lang="en-US" smtClean="0"/>
+              <a:t>Click to edit Master subtitle style</a:t>
             </a:r>
             <a:endParaRPr lang="en-US" dirty="0"/>
           </a:p>
@@ -674,8 +674,8 @@
           </a:lstStyle>
           <a:p>
             <a:r>
-              <a:rPr lang="ru-RU" smtClean="0"/>
-              <a:t>Образец заголовка</a:t>
+              <a:rPr lang="en-US" smtClean="0"/>
+              <a:t>Click to edit Master title style</a:t>
             </a:r>
             <a:endParaRPr lang="en-US" dirty="0"/>
           </a:p>
@@ -780,7 +780,7 @@
       </p:cxnSp>
       <p:sp>
         <p:nvSpPr>
-          <p:cNvPr id="4" name="Дата 3"/>
+          <p:cNvPr id="4" name="Date Placeholder 3"/>
           <p:cNvSpPr>
             <a:spLocks noGrp="1"/>
           </p:cNvSpPr>
@@ -794,16 +794,16 @@
           <a:lstStyle/>
           <a:p>
             <a:fld id="{51E84241-D031-42DE-84E4-CC10C30232F4}" type="datetimeFigureOut">
-              <a:rPr lang="ru-RU" smtClean="0"/>
+              <a:rPr lang="en-US" smtClean="0"/>
               <a:t>22.10.2013</a:t>
             </a:fld>
-            <a:endParaRPr lang="ru-RU"/>
-          </a:p>
-        </p:txBody>
-      </p:sp>
-      <p:sp>
-        <p:nvSpPr>
-          <p:cNvPr id="5" name="Нижний колонтитул 4"/>
+            <a:endParaRPr lang="en-US"/>
+          </a:p>
+        </p:txBody>
+      </p:sp>
+      <p:sp>
+        <p:nvSpPr>
+          <p:cNvPr id="5" name="Footer Placeholder 4"/>
           <p:cNvSpPr>
             <a:spLocks noGrp="1"/>
           </p:cNvSpPr>
@@ -816,13 +816,13 @@
           <a:bodyPr/>
           <a:lstStyle/>
           <a:p>
-            <a:endParaRPr lang="ru-RU"/>
-          </a:p>
-        </p:txBody>
-      </p:sp>
-      <p:sp>
-        <p:nvSpPr>
-          <p:cNvPr id="6" name="Номер слайда 5"/>
+            <a:endParaRPr lang="en-US"/>
+          </a:p>
+        </p:txBody>
+      </p:sp>
+      <p:sp>
+        <p:nvSpPr>
+          <p:cNvPr id="6" name="Slide Number Placeholder 5"/>
           <p:cNvSpPr>
             <a:spLocks noGrp="1"/>
           </p:cNvSpPr>
@@ -836,10 +836,10 @@
           <a:lstStyle/>
           <a:p>
             <a:fld id="{6B5AA3AA-5EA9-4976-BF6C-9891F6110747}" type="slidenum">
-              <a:rPr lang="ru-RU" smtClean="0"/>
+              <a:rPr lang="en-US" smtClean="0"/>
               <a:t>‹#›</a:t>
             </a:fld>
-            <a:endParaRPr lang="ru-RU"/>
+            <a:endParaRPr lang="en-US"/>
           </a:p>
         </p:txBody>
       </p:sp>
@@ -870,7 +870,7 @@
       </p:grpSpPr>
       <p:sp>
         <p:nvSpPr>
-          <p:cNvPr id="2" name="Заголовок 1"/>
+          <p:cNvPr id="2" name="Title 1"/>
           <p:cNvSpPr>
             <a:spLocks noGrp="1"/>
           </p:cNvSpPr>
@@ -884,16 +884,16 @@
           <a:lstStyle/>
           <a:p>
             <a:r>
-              <a:rPr lang="ru-RU" smtClean="0"/>
-              <a:t>Образец заголовка</a:t>
-            </a:r>
-            <a:endParaRPr lang="ru-RU"/>
-          </a:p>
-        </p:txBody>
-      </p:sp>
-      <p:sp>
-        <p:nvSpPr>
-          <p:cNvPr id="3" name="Вертикальный текст 2"/>
+              <a:rPr lang="en-US" smtClean="0"/>
+              <a:t>Click to edit Master title style</a:t>
+            </a:r>
+            <a:endParaRPr lang="en-US"/>
+          </a:p>
+        </p:txBody>
+      </p:sp>
+      <p:sp>
+        <p:nvSpPr>
+          <p:cNvPr id="3" name="Vertical Text Placeholder 2"/>
           <p:cNvSpPr>
             <a:spLocks noGrp="1"/>
           </p:cNvSpPr>
@@ -908,44 +908,44 @@
           <a:p>
             <a:pPr lvl="0"/>
             <a:r>
-              <a:rPr lang="ru-RU" smtClean="0"/>
-              <a:t>Образец текста</a:t>
+              <a:rPr lang="en-US" smtClean="0"/>
+              <a:t>Click to edit Master text styles</a:t>
             </a:r>
           </a:p>
           <a:p>
             <a:pPr lvl="1"/>
             <a:r>
-              <a:rPr lang="ru-RU" smtClean="0"/>
-              <a:t>Второй уровень</a:t>
+              <a:rPr lang="en-US" smtClean="0"/>
+              <a:t>Second level</a:t>
             </a:r>
           </a:p>
           <a:p>
             <a:pPr lvl="2"/>
             <a:r>
-              <a:rPr lang="ru-RU" smtClean="0"/>
-              <a:t>Третий уровень</a:t>
+              <a:rPr lang="en-US" smtClean="0"/>
+              <a:t>Third level</a:t>
             </a:r>
           </a:p>
           <a:p>
             <a:pPr lvl="3"/>
             <a:r>
-              <a:rPr lang="ru-RU" smtClean="0"/>
-              <a:t>Четвертый уровень</a:t>
+              <a:rPr lang="en-US" smtClean="0"/>
+              <a:t>Fourth level</a:t>
             </a:r>
           </a:p>
           <a:p>
             <a:pPr lvl="4"/>
             <a:r>
-              <a:rPr lang="ru-RU" smtClean="0"/>
-              <a:t>Пятый уровень</a:t>
-            </a:r>
-            <a:endParaRPr lang="ru-RU"/>
-          </a:p>
-        </p:txBody>
-      </p:sp>
-      <p:sp>
-        <p:nvSpPr>
-          <p:cNvPr id="4" name="Дата 3"/>
+              <a:rPr lang="en-US" smtClean="0"/>
+              <a:t>Fifth level</a:t>
+            </a:r>
+            <a:endParaRPr lang="en-US"/>
+          </a:p>
+        </p:txBody>
+      </p:sp>
+      <p:sp>
+        <p:nvSpPr>
+          <p:cNvPr id="4" name="Date Placeholder 3"/>
           <p:cNvSpPr>
             <a:spLocks noGrp="1"/>
           </p:cNvSpPr>
@@ -959,16 +959,16 @@
           <a:lstStyle/>
           <a:p>
             <a:fld id="{51E84241-D031-42DE-84E4-CC10C30232F4}" type="datetimeFigureOut">
-              <a:rPr lang="ru-RU" smtClean="0"/>
+              <a:rPr lang="en-US" smtClean="0"/>
               <a:t>22.10.2013</a:t>
             </a:fld>
-            <a:endParaRPr lang="ru-RU"/>
-          </a:p>
-        </p:txBody>
-      </p:sp>
-      <p:sp>
-        <p:nvSpPr>
-          <p:cNvPr id="5" name="Нижний колонтитул 4"/>
+            <a:endParaRPr lang="en-US"/>
+          </a:p>
+        </p:txBody>
+      </p:sp>
+      <p:sp>
+        <p:nvSpPr>
+          <p:cNvPr id="5" name="Footer Placeholder 4"/>
           <p:cNvSpPr>
             <a:spLocks noGrp="1"/>
           </p:cNvSpPr>
@@ -981,13 +981,13 @@
           <a:bodyPr/>
           <a:lstStyle/>
           <a:p>
-            <a:endParaRPr lang="ru-RU"/>
-          </a:p>
-        </p:txBody>
-      </p:sp>
-      <p:sp>
-        <p:nvSpPr>
-          <p:cNvPr id="6" name="Номер слайда 5"/>
+            <a:endParaRPr lang="en-US"/>
+          </a:p>
+        </p:txBody>
+      </p:sp>
+      <p:sp>
+        <p:nvSpPr>
+          <p:cNvPr id="6" name="Slide Number Placeholder 5"/>
           <p:cNvSpPr>
             <a:spLocks noGrp="1"/>
           </p:cNvSpPr>
@@ -1001,10 +1001,10 @@
           <a:lstStyle/>
           <a:p>
             <a:fld id="{6B5AA3AA-5EA9-4976-BF6C-9891F6110747}" type="slidenum">
-              <a:rPr lang="ru-RU" smtClean="0"/>
+              <a:rPr lang="en-US" smtClean="0"/>
               <a:t>‹#›</a:t>
             </a:fld>
-            <a:endParaRPr lang="ru-RU"/>
+            <a:endParaRPr lang="en-US"/>
           </a:p>
         </p:txBody>
       </p:sp>
@@ -1040,7 +1040,7 @@
       </p:grpSpPr>
       <p:sp>
         <p:nvSpPr>
-          <p:cNvPr id="2" name="Вертикальный заголовок 1"/>
+          <p:cNvPr id="2" name="Vertical Title 1"/>
           <p:cNvSpPr>
             <a:spLocks noGrp="1"/>
           </p:cNvSpPr>
@@ -1059,16 +1059,16 @@
           <a:lstStyle/>
           <a:p>
             <a:r>
-              <a:rPr lang="ru-RU" smtClean="0"/>
-              <a:t>Образец заголовка</a:t>
-            </a:r>
-            <a:endParaRPr lang="ru-RU"/>
-          </a:p>
-        </p:txBody>
-      </p:sp>
-      <p:sp>
-        <p:nvSpPr>
-          <p:cNvPr id="3" name="Вертикальный текст 2"/>
+              <a:rPr lang="en-US" smtClean="0"/>
+              <a:t>Click to edit Master title style</a:t>
+            </a:r>
+            <a:endParaRPr lang="en-US"/>
+          </a:p>
+        </p:txBody>
+      </p:sp>
+      <p:sp>
+        <p:nvSpPr>
+          <p:cNvPr id="3" name="Vertical Text Placeholder 2"/>
           <p:cNvSpPr>
             <a:spLocks noGrp="1"/>
           </p:cNvSpPr>
@@ -1088,44 +1088,44 @@
           <a:p>
             <a:pPr lvl="0"/>
             <a:r>
-              <a:rPr lang="ru-RU" smtClean="0"/>
-              <a:t>Образец текста</a:t>
+              <a:rPr lang="en-US" smtClean="0"/>
+              <a:t>Click to edit Master text styles</a:t>
             </a:r>
           </a:p>
           <a:p>
             <a:pPr lvl="1"/>
             <a:r>
-              <a:rPr lang="ru-RU" smtClean="0"/>
-              <a:t>Второй уровень</a:t>
+              <a:rPr lang="en-US" smtClean="0"/>
+              <a:t>Second level</a:t>
             </a:r>
           </a:p>
           <a:p>
             <a:pPr lvl="2"/>
             <a:r>
-              <a:rPr lang="ru-RU" smtClean="0"/>
-              <a:t>Третий уровень</a:t>
+              <a:rPr lang="en-US" smtClean="0"/>
+              <a:t>Third level</a:t>
             </a:r>
           </a:p>
           <a:p>
             <a:pPr lvl="3"/>
             <a:r>
-              <a:rPr lang="ru-RU" smtClean="0"/>
-              <a:t>Четвертый уровень</a:t>
+              <a:rPr lang="en-US" smtClean="0"/>
+              <a:t>Fourth level</a:t>
             </a:r>
           </a:p>
           <a:p>
             <a:pPr lvl="4"/>
             <a:r>
-              <a:rPr lang="ru-RU" smtClean="0"/>
-              <a:t>Пятый уровень</a:t>
-            </a:r>
-            <a:endParaRPr lang="ru-RU"/>
-          </a:p>
-        </p:txBody>
-      </p:sp>
-      <p:sp>
-        <p:nvSpPr>
-          <p:cNvPr id="4" name="Дата 3"/>
+              <a:rPr lang="en-US" smtClean="0"/>
+              <a:t>Fifth level</a:t>
+            </a:r>
+            <a:endParaRPr lang="en-US"/>
+          </a:p>
+        </p:txBody>
+      </p:sp>
+      <p:sp>
+        <p:nvSpPr>
+          <p:cNvPr id="4" name="Date Placeholder 3"/>
           <p:cNvSpPr>
             <a:spLocks noGrp="1"/>
           </p:cNvSpPr>
@@ -1139,16 +1139,16 @@
           <a:lstStyle/>
           <a:p>
             <a:fld id="{51E84241-D031-42DE-84E4-CC10C30232F4}" type="datetimeFigureOut">
-              <a:rPr lang="ru-RU" smtClean="0"/>
+              <a:rPr lang="en-US" smtClean="0"/>
               <a:t>22.10.2013</a:t>
             </a:fld>
-            <a:endParaRPr lang="ru-RU" dirty="0"/>
-          </a:p>
-        </p:txBody>
-      </p:sp>
-      <p:sp>
-        <p:nvSpPr>
-          <p:cNvPr id="5" name="Нижний колонтитул 4"/>
+            <a:endParaRPr lang="en-US" dirty="0"/>
+          </a:p>
+        </p:txBody>
+      </p:sp>
+      <p:sp>
+        <p:nvSpPr>
+          <p:cNvPr id="5" name="Footer Placeholder 4"/>
           <p:cNvSpPr>
             <a:spLocks noGrp="1"/>
           </p:cNvSpPr>
@@ -1161,13 +1161,13 @@
           <a:bodyPr/>
           <a:lstStyle/>
           <a:p>
-            <a:endParaRPr lang="ru-RU" dirty="0"/>
-          </a:p>
-        </p:txBody>
-      </p:sp>
-      <p:sp>
-        <p:nvSpPr>
-          <p:cNvPr id="6" name="Номер слайда 5"/>
+            <a:endParaRPr lang="en-US" dirty="0"/>
+          </a:p>
+        </p:txBody>
+      </p:sp>
+      <p:sp>
+        <p:nvSpPr>
+          <p:cNvPr id="6" name="Slide Number Placeholder 5"/>
           <p:cNvSpPr>
             <a:spLocks noGrp="1"/>
           </p:cNvSpPr>
@@ -1181,10 +1181,10 @@
           <a:lstStyle/>
           <a:p>
             <a:fld id="{6B5AA3AA-5EA9-4976-BF6C-9891F6110747}" type="slidenum">
-              <a:rPr lang="ru-RU" smtClean="0"/>
+              <a:rPr lang="en-US" smtClean="0"/>
               <a:t>‹#›</a:t>
             </a:fld>
-            <a:endParaRPr lang="ru-RU" dirty="0"/>
+            <a:endParaRPr lang="en-US" dirty="0"/>
           </a:p>
         </p:txBody>
       </p:sp>
@@ -1220,7 +1220,7 @@
       </p:grpSpPr>
       <p:sp>
         <p:nvSpPr>
-          <p:cNvPr id="2" name="Заголовок 1"/>
+          <p:cNvPr id="2" name="Title 1"/>
           <p:cNvSpPr>
             <a:spLocks noGrp="1"/>
           </p:cNvSpPr>
@@ -1234,16 +1234,16 @@
           <a:lstStyle/>
           <a:p>
             <a:r>
-              <a:rPr lang="ru-RU" smtClean="0"/>
-              <a:t>Образец заголовка</a:t>
-            </a:r>
-            <a:endParaRPr lang="ru-RU"/>
-          </a:p>
-        </p:txBody>
-      </p:sp>
-      <p:sp>
-        <p:nvSpPr>
-          <p:cNvPr id="3" name="Объект 2"/>
+              <a:rPr lang="en-US" smtClean="0"/>
+              <a:t>Click to edit Master title style</a:t>
+            </a:r>
+            <a:endParaRPr lang="en-US"/>
+          </a:p>
+        </p:txBody>
+      </p:sp>
+      <p:sp>
+        <p:nvSpPr>
+          <p:cNvPr id="3" name="Content Placeholder 2"/>
           <p:cNvSpPr>
             <a:spLocks noGrp="1"/>
           </p:cNvSpPr>
@@ -1258,44 +1258,44 @@
           <a:p>
             <a:pPr lvl="0"/>
             <a:r>
-              <a:rPr lang="ru-RU" dirty="0" smtClean="0"/>
-              <a:t>Образец текста</a:t>
+              <a:rPr lang="en-US" dirty="0" smtClean="0"/>
+              <a:t>Click to edit Master text styles</a:t>
             </a:r>
           </a:p>
           <a:p>
             <a:pPr lvl="1"/>
             <a:r>
-              <a:rPr lang="ru-RU" dirty="0" smtClean="0"/>
-              <a:t>Второй уровень</a:t>
+              <a:rPr lang="en-US" dirty="0" smtClean="0"/>
+              <a:t>Second level</a:t>
             </a:r>
           </a:p>
           <a:p>
             <a:pPr lvl="2"/>
             <a:r>
-              <a:rPr lang="ru-RU" dirty="0" smtClean="0"/>
-              <a:t>Третий уровень</a:t>
+              <a:rPr lang="en-US" dirty="0" smtClean="0"/>
+              <a:t>Third level</a:t>
             </a:r>
           </a:p>
           <a:p>
             <a:pPr lvl="3"/>
             <a:r>
-              <a:rPr lang="ru-RU" dirty="0" smtClean="0"/>
-              <a:t>Четвертый уровень</a:t>
+              <a:rPr lang="en-US" dirty="0" smtClean="0"/>
+              <a:t>Fourth level</a:t>
             </a:r>
           </a:p>
           <a:p>
             <a:pPr lvl="4"/>
             <a:r>
-              <a:rPr lang="ru-RU" dirty="0" smtClean="0"/>
-              <a:t>Пятый уровень</a:t>
-            </a:r>
-            <a:endParaRPr lang="ru-RU" dirty="0"/>
-          </a:p>
-        </p:txBody>
-      </p:sp>
-      <p:sp>
-        <p:nvSpPr>
-          <p:cNvPr id="4" name="Дата 3"/>
+              <a:rPr lang="en-US" dirty="0" smtClean="0"/>
+              <a:t>Fifth level</a:t>
+            </a:r>
+            <a:endParaRPr lang="en-US" dirty="0"/>
+          </a:p>
+        </p:txBody>
+      </p:sp>
+      <p:sp>
+        <p:nvSpPr>
+          <p:cNvPr id="4" name="Date Placeholder 3"/>
           <p:cNvSpPr>
             <a:spLocks noGrp="1"/>
           </p:cNvSpPr>
@@ -1309,16 +1309,16 @@
           <a:lstStyle/>
           <a:p>
             <a:fld id="{51E84241-D031-42DE-84E4-CC10C30232F4}" type="datetimeFigureOut">
-              <a:rPr lang="ru-RU" smtClean="0"/>
+              <a:rPr lang="en-US" smtClean="0"/>
               <a:t>22.10.2013</a:t>
             </a:fld>
-            <a:endParaRPr lang="ru-RU"/>
-          </a:p>
-        </p:txBody>
-      </p:sp>
-      <p:sp>
-        <p:nvSpPr>
-          <p:cNvPr id="5" name="Нижний колонтитул 4"/>
+            <a:endParaRPr lang="en-US"/>
+          </a:p>
+        </p:txBody>
+      </p:sp>
+      <p:sp>
+        <p:nvSpPr>
+          <p:cNvPr id="5" name="Footer Placeholder 4"/>
           <p:cNvSpPr>
             <a:spLocks noGrp="1"/>
           </p:cNvSpPr>
@@ -1331,13 +1331,13 @@
           <a:bodyPr/>
           <a:lstStyle/>
           <a:p>
-            <a:endParaRPr lang="ru-RU"/>
-          </a:p>
-        </p:txBody>
-      </p:sp>
-      <p:sp>
-        <p:nvSpPr>
-          <p:cNvPr id="6" name="Номер слайда 5"/>
+            <a:endParaRPr lang="en-US"/>
+          </a:p>
+        </p:txBody>
+      </p:sp>
+      <p:sp>
+        <p:nvSpPr>
+          <p:cNvPr id="6" name="Slide Number Placeholder 5"/>
           <p:cNvSpPr>
             <a:spLocks noGrp="1"/>
           </p:cNvSpPr>
@@ -1351,10 +1351,10 @@
           <a:lstStyle/>
           <a:p>
             <a:fld id="{6B5AA3AA-5EA9-4976-BF6C-9891F6110747}" type="slidenum">
-              <a:rPr lang="ru-RU" smtClean="0"/>
+              <a:rPr lang="en-US" smtClean="0"/>
               <a:t>‹#›</a:t>
             </a:fld>
-            <a:endParaRPr lang="ru-RU"/>
+            <a:endParaRPr lang="en-US"/>
           </a:p>
         </p:txBody>
       </p:sp>
@@ -1390,7 +1390,7 @@
       </p:grpSpPr>
       <p:sp>
         <p:nvSpPr>
-          <p:cNvPr id="3" name="Текст 2"/>
+          <p:cNvPr id="3" name="Text Placeholder 2"/>
           <p:cNvSpPr>
             <a:spLocks noGrp="1"/>
           </p:cNvSpPr>
@@ -1501,15 +1501,15 @@
           <a:p>
             <a:pPr lvl="0"/>
             <a:r>
-              <a:rPr lang="ru-RU" smtClean="0"/>
-              <a:t>Образец текста</a:t>
-            </a:r>
-          </a:p>
-        </p:txBody>
-      </p:sp>
-      <p:sp>
-        <p:nvSpPr>
-          <p:cNvPr id="4" name="Дата 3"/>
+              <a:rPr lang="en-US" smtClean="0"/>
+              <a:t>Click to edit Master text styles</a:t>
+            </a:r>
+          </a:p>
+        </p:txBody>
+      </p:sp>
+      <p:sp>
+        <p:nvSpPr>
+          <p:cNvPr id="4" name="Date Placeholder 3"/>
           <p:cNvSpPr>
             <a:spLocks noGrp="1"/>
           </p:cNvSpPr>
@@ -1523,16 +1523,16 @@
           <a:lstStyle/>
           <a:p>
             <a:fld id="{51E84241-D031-42DE-84E4-CC10C30232F4}" type="datetimeFigureOut">
-              <a:rPr lang="ru-RU" smtClean="0"/>
+              <a:rPr lang="en-US" smtClean="0"/>
               <a:t>22.10.2013</a:t>
             </a:fld>
-            <a:endParaRPr lang="ru-RU"/>
-          </a:p>
-        </p:txBody>
-      </p:sp>
-      <p:sp>
-        <p:nvSpPr>
-          <p:cNvPr id="5" name="Нижний колонтитул 4"/>
+            <a:endParaRPr lang="en-US"/>
+          </a:p>
+        </p:txBody>
+      </p:sp>
+      <p:sp>
+        <p:nvSpPr>
+          <p:cNvPr id="5" name="Footer Placeholder 4"/>
           <p:cNvSpPr>
             <a:spLocks noGrp="1"/>
           </p:cNvSpPr>
@@ -1545,13 +1545,13 @@
           <a:bodyPr/>
           <a:lstStyle/>
           <a:p>
-            <a:endParaRPr lang="ru-RU"/>
-          </a:p>
-        </p:txBody>
-      </p:sp>
-      <p:sp>
-        <p:nvSpPr>
-          <p:cNvPr id="6" name="Номер слайда 5"/>
+            <a:endParaRPr lang="en-US"/>
+          </a:p>
+        </p:txBody>
+      </p:sp>
+      <p:sp>
+        <p:nvSpPr>
+          <p:cNvPr id="6" name="Slide Number Placeholder 5"/>
           <p:cNvSpPr>
             <a:spLocks noGrp="1"/>
           </p:cNvSpPr>
@@ -1565,16 +1565,16 @@
           <a:lstStyle/>
           <a:p>
             <a:fld id="{6B5AA3AA-5EA9-4976-BF6C-9891F6110747}" type="slidenum">
-              <a:rPr lang="ru-RU" smtClean="0"/>
+              <a:rPr lang="en-US" smtClean="0"/>
               <a:t>‹#›</a:t>
             </a:fld>
-            <a:endParaRPr lang="ru-RU"/>
-          </a:p>
-        </p:txBody>
-      </p:sp>
-      <p:sp>
-        <p:nvSpPr>
-          <p:cNvPr id="7" name="Заголовок 1"/>
+            <a:endParaRPr lang="en-US"/>
+          </a:p>
+        </p:txBody>
+      </p:sp>
+      <p:sp>
+        <p:nvSpPr>
+          <p:cNvPr id="7" name="Title 1"/>
           <p:cNvSpPr>
             <a:spLocks noGrp="1"/>
           </p:cNvSpPr>
@@ -1593,10 +1593,10 @@
           <a:lstStyle/>
           <a:p>
             <a:r>
-              <a:rPr lang="ru-RU" smtClean="0"/>
-              <a:t>Образец заголовка</a:t>
-            </a:r>
-            <a:endParaRPr lang="ru-RU"/>
+              <a:rPr lang="en-US" smtClean="0"/>
+              <a:t>Click to edit Master title style</a:t>
+            </a:r>
+            <a:endParaRPr lang="en-US"/>
           </a:p>
         </p:txBody>
       </p:sp>
@@ -1632,7 +1632,7 @@
       </p:grpSpPr>
       <p:sp>
         <p:nvSpPr>
-          <p:cNvPr id="2" name="Заголовок 1"/>
+          <p:cNvPr id="2" name="Title 1"/>
           <p:cNvSpPr>
             <a:spLocks noGrp="1"/>
           </p:cNvSpPr>
@@ -1646,16 +1646,16 @@
           <a:lstStyle/>
           <a:p>
             <a:r>
-              <a:rPr lang="ru-RU" smtClean="0"/>
-              <a:t>Образец заголовка</a:t>
-            </a:r>
-            <a:endParaRPr lang="ru-RU" dirty="0"/>
-          </a:p>
-        </p:txBody>
-      </p:sp>
-      <p:sp>
-        <p:nvSpPr>
-          <p:cNvPr id="3" name="Объект 2"/>
+              <a:rPr lang="en-US" smtClean="0"/>
+              <a:t>Click to edit Master title style</a:t>
+            </a:r>
+            <a:endParaRPr lang="en-US" dirty="0"/>
+          </a:p>
+        </p:txBody>
+      </p:sp>
+      <p:sp>
+        <p:nvSpPr>
+          <p:cNvPr id="3" name="Content Placeholder 2"/>
           <p:cNvSpPr>
             <a:spLocks noGrp="1"/>
           </p:cNvSpPr>
@@ -1704,44 +1704,44 @@
           <a:p>
             <a:pPr lvl="0"/>
             <a:r>
-              <a:rPr lang="ru-RU" smtClean="0"/>
-              <a:t>Образец текста</a:t>
+              <a:rPr lang="en-US" smtClean="0"/>
+              <a:t>Click to edit Master text styles</a:t>
             </a:r>
           </a:p>
           <a:p>
             <a:pPr lvl="1"/>
             <a:r>
-              <a:rPr lang="ru-RU" smtClean="0"/>
-              <a:t>Второй уровень</a:t>
+              <a:rPr lang="en-US" smtClean="0"/>
+              <a:t>Second level</a:t>
             </a:r>
           </a:p>
           <a:p>
             <a:pPr lvl="2"/>
             <a:r>
-              <a:rPr lang="ru-RU" smtClean="0"/>
-              <a:t>Третий уровень</a:t>
+              <a:rPr lang="en-US" smtClean="0"/>
+              <a:t>Third level</a:t>
             </a:r>
           </a:p>
           <a:p>
             <a:pPr lvl="3"/>
             <a:r>
-              <a:rPr lang="ru-RU" smtClean="0"/>
-              <a:t>Четвертый уровень</a:t>
+              <a:rPr lang="en-US" smtClean="0"/>
+              <a:t>Fourth level</a:t>
             </a:r>
           </a:p>
           <a:p>
             <a:pPr lvl="4"/>
             <a:r>
-              <a:rPr lang="ru-RU" smtClean="0"/>
-              <a:t>Пятый уровень</a:t>
-            </a:r>
-            <a:endParaRPr lang="ru-RU" dirty="0"/>
-          </a:p>
-        </p:txBody>
-      </p:sp>
-      <p:sp>
-        <p:nvSpPr>
-          <p:cNvPr id="4" name="Объект 3"/>
+              <a:rPr lang="en-US" smtClean="0"/>
+              <a:t>Fifth level</a:t>
+            </a:r>
+            <a:endParaRPr lang="en-US" dirty="0"/>
+          </a:p>
+        </p:txBody>
+      </p:sp>
+      <p:sp>
+        <p:nvSpPr>
+          <p:cNvPr id="4" name="Content Placeholder 3"/>
           <p:cNvSpPr>
             <a:spLocks noGrp="1"/>
           </p:cNvSpPr>
@@ -1790,44 +1790,44 @@
           <a:p>
             <a:pPr lvl="0"/>
             <a:r>
-              <a:rPr lang="ru-RU" smtClean="0"/>
-              <a:t>Образец текста</a:t>
+              <a:rPr lang="en-US" smtClean="0"/>
+              <a:t>Click to edit Master text styles</a:t>
             </a:r>
           </a:p>
           <a:p>
             <a:pPr lvl="1"/>
             <a:r>
-              <a:rPr lang="ru-RU" smtClean="0"/>
-              <a:t>Второй уровень</a:t>
+              <a:rPr lang="en-US" smtClean="0"/>
+              <a:t>Second level</a:t>
             </a:r>
           </a:p>
           <a:p>
             <a:pPr lvl="2"/>
             <a:r>
-              <a:rPr lang="ru-RU" smtClean="0"/>
-              <a:t>Третий уровень</a:t>
+              <a:rPr lang="en-US" smtClean="0"/>
+              <a:t>Third level</a:t>
             </a:r>
           </a:p>
           <a:p>
             <a:pPr lvl="3"/>
             <a:r>
-              <a:rPr lang="ru-RU" smtClean="0"/>
-              <a:t>Четвертый уровень</a:t>
+              <a:rPr lang="en-US" smtClean="0"/>
+              <a:t>Fourth level</a:t>
             </a:r>
           </a:p>
           <a:p>
             <a:pPr lvl="4"/>
             <a:r>
-              <a:rPr lang="ru-RU" smtClean="0"/>
-              <a:t>Пятый уровень</a:t>
-            </a:r>
-            <a:endParaRPr lang="ru-RU"/>
-          </a:p>
-        </p:txBody>
-      </p:sp>
-      <p:sp>
-        <p:nvSpPr>
-          <p:cNvPr id="5" name="Дата 4"/>
+              <a:rPr lang="en-US" smtClean="0"/>
+              <a:t>Fifth level</a:t>
+            </a:r>
+            <a:endParaRPr lang="en-US"/>
+          </a:p>
+        </p:txBody>
+      </p:sp>
+      <p:sp>
+        <p:nvSpPr>
+          <p:cNvPr id="5" name="Date Placeholder 4"/>
           <p:cNvSpPr>
             <a:spLocks noGrp="1"/>
           </p:cNvSpPr>
@@ -1841,16 +1841,16 @@
           <a:lstStyle/>
           <a:p>
             <a:fld id="{51E84241-D031-42DE-84E4-CC10C30232F4}" type="datetimeFigureOut">
-              <a:rPr lang="ru-RU" smtClean="0"/>
+              <a:rPr lang="en-US" smtClean="0"/>
               <a:t>22.10.2013</a:t>
             </a:fld>
-            <a:endParaRPr lang="ru-RU"/>
-          </a:p>
-        </p:txBody>
-      </p:sp>
-      <p:sp>
-        <p:nvSpPr>
-          <p:cNvPr id="6" name="Нижний колонтитул 5"/>
+            <a:endParaRPr lang="en-US"/>
+          </a:p>
+        </p:txBody>
+      </p:sp>
+      <p:sp>
+        <p:nvSpPr>
+          <p:cNvPr id="6" name="Footer Placeholder 5"/>
           <p:cNvSpPr>
             <a:spLocks noGrp="1"/>
           </p:cNvSpPr>
@@ -1863,13 +1863,13 @@
           <a:bodyPr/>
           <a:lstStyle/>
           <a:p>
-            <a:endParaRPr lang="ru-RU"/>
-          </a:p>
-        </p:txBody>
-      </p:sp>
-      <p:sp>
-        <p:nvSpPr>
-          <p:cNvPr id="7" name="Номер слайда 6"/>
+            <a:endParaRPr lang="en-US"/>
+          </a:p>
+        </p:txBody>
+      </p:sp>
+      <p:sp>
+        <p:nvSpPr>
+          <p:cNvPr id="7" name="Slide Number Placeholder 6"/>
           <p:cNvSpPr>
             <a:spLocks noGrp="1"/>
           </p:cNvSpPr>
@@ -1883,10 +1883,10 @@
           <a:lstStyle/>
           <a:p>
             <a:fld id="{6B5AA3AA-5EA9-4976-BF6C-9891F6110747}" type="slidenum">
-              <a:rPr lang="ru-RU" smtClean="0"/>
+              <a:rPr lang="en-US" smtClean="0"/>
               <a:t>‹#›</a:t>
             </a:fld>
-            <a:endParaRPr lang="ru-RU"/>
+            <a:endParaRPr lang="en-US"/>
           </a:p>
         </p:txBody>
       </p:sp>
@@ -1922,7 +1922,7 @@
       </p:grpSpPr>
       <p:sp>
         <p:nvSpPr>
-          <p:cNvPr id="2" name="Заголовок 1"/>
+          <p:cNvPr id="2" name="Title 1"/>
           <p:cNvSpPr>
             <a:spLocks noGrp="1"/>
           </p:cNvSpPr>
@@ -1940,16 +1940,16 @@
           </a:lstStyle>
           <a:p>
             <a:r>
-              <a:rPr lang="ru-RU" smtClean="0"/>
-              <a:t>Образец заголовка</a:t>
-            </a:r>
-            <a:endParaRPr lang="ru-RU"/>
-          </a:p>
-        </p:txBody>
-      </p:sp>
-      <p:sp>
-        <p:nvSpPr>
-          <p:cNvPr id="3" name="Текст 2"/>
+              <a:rPr lang="en-US" smtClean="0"/>
+              <a:t>Click to edit Master title style</a:t>
+            </a:r>
+            <a:endParaRPr lang="en-US"/>
+          </a:p>
+        </p:txBody>
+      </p:sp>
+      <p:sp>
+        <p:nvSpPr>
+          <p:cNvPr id="3" name="Text Placeholder 2"/>
           <p:cNvSpPr>
             <a:spLocks noGrp="1"/>
           </p:cNvSpPr>
@@ -2007,15 +2007,15 @@
           <a:p>
             <a:pPr lvl="0"/>
             <a:r>
-              <a:rPr lang="ru-RU" smtClean="0"/>
-              <a:t>Образец текста</a:t>
-            </a:r>
-          </a:p>
-        </p:txBody>
-      </p:sp>
-      <p:sp>
-        <p:nvSpPr>
-          <p:cNvPr id="4" name="Объект 3"/>
+              <a:rPr lang="en-US" smtClean="0"/>
+              <a:t>Click to edit Master text styles</a:t>
+            </a:r>
+          </a:p>
+        </p:txBody>
+      </p:sp>
+      <p:sp>
+        <p:nvSpPr>
+          <p:cNvPr id="4" name="Content Placeholder 3"/>
           <p:cNvSpPr>
             <a:spLocks noGrp="1"/>
           </p:cNvSpPr>
@@ -2064,44 +2064,44 @@
           <a:p>
             <a:pPr lvl="0"/>
             <a:r>
-              <a:rPr lang="ru-RU" smtClean="0"/>
-              <a:t>Образец текста</a:t>
+              <a:rPr lang="en-US" smtClean="0"/>
+              <a:t>Click to edit Master text styles</a:t>
             </a:r>
           </a:p>
           <a:p>
             <a:pPr lvl="1"/>
             <a:r>
-              <a:rPr lang="ru-RU" smtClean="0"/>
-              <a:t>Второй уровень</a:t>
+              <a:rPr lang="en-US" smtClean="0"/>
+              <a:t>Second level</a:t>
             </a:r>
           </a:p>
           <a:p>
             <a:pPr lvl="2"/>
             <a:r>
-              <a:rPr lang="ru-RU" smtClean="0"/>
-              <a:t>Третий уровень</a:t>
+              <a:rPr lang="en-US" smtClean="0"/>
+              <a:t>Third level</a:t>
             </a:r>
           </a:p>
           <a:p>
             <a:pPr lvl="3"/>
             <a:r>
-              <a:rPr lang="ru-RU" smtClean="0"/>
-              <a:t>Четвертый уровень</a:t>
+              <a:rPr lang="en-US" smtClean="0"/>
+              <a:t>Fourth level</a:t>
             </a:r>
           </a:p>
           <a:p>
             <a:pPr lvl="4"/>
             <a:r>
-              <a:rPr lang="ru-RU" smtClean="0"/>
-              <a:t>Пятый уровень</a:t>
-            </a:r>
-            <a:endParaRPr lang="ru-RU"/>
-          </a:p>
-        </p:txBody>
-      </p:sp>
-      <p:sp>
-        <p:nvSpPr>
-          <p:cNvPr id="5" name="Текст 4"/>
+              <a:rPr lang="en-US" smtClean="0"/>
+              <a:t>Fifth level</a:t>
+            </a:r>
+            <a:endParaRPr lang="en-US"/>
+          </a:p>
+        </p:txBody>
+      </p:sp>
+      <p:sp>
+        <p:nvSpPr>
+          <p:cNvPr id="5" name="Text Placeholder 4"/>
           <p:cNvSpPr>
             <a:spLocks noGrp="1"/>
           </p:cNvSpPr>
@@ -2159,15 +2159,15 @@
           <a:p>
             <a:pPr lvl="0"/>
             <a:r>
-              <a:rPr lang="ru-RU" smtClean="0"/>
-              <a:t>Образец текста</a:t>
-            </a:r>
-          </a:p>
-        </p:txBody>
-      </p:sp>
-      <p:sp>
-        <p:nvSpPr>
-          <p:cNvPr id="6" name="Объект 5"/>
+              <a:rPr lang="en-US" smtClean="0"/>
+              <a:t>Click to edit Master text styles</a:t>
+            </a:r>
+          </a:p>
+        </p:txBody>
+      </p:sp>
+      <p:sp>
+        <p:nvSpPr>
+          <p:cNvPr id="6" name="Content Placeholder 5"/>
           <p:cNvSpPr>
             <a:spLocks noGrp="1"/>
           </p:cNvSpPr>
@@ -2216,44 +2216,44 @@
           <a:p>
             <a:pPr lvl="0"/>
             <a:r>
-              <a:rPr lang="ru-RU" smtClean="0"/>
-              <a:t>Образец текста</a:t>
+              <a:rPr lang="en-US" smtClean="0"/>
+              <a:t>Click to edit Master text styles</a:t>
             </a:r>
           </a:p>
           <a:p>
             <a:pPr lvl="1"/>
             <a:r>
-              <a:rPr lang="ru-RU" smtClean="0"/>
-              <a:t>Второй уровень</a:t>
+              <a:rPr lang="en-US" smtClean="0"/>
+              <a:t>Second level</a:t>
             </a:r>
           </a:p>
           <a:p>
             <a:pPr lvl="2"/>
             <a:r>
-              <a:rPr lang="ru-RU" smtClean="0"/>
-              <a:t>Третий уровень</a:t>
+              <a:rPr lang="en-US" smtClean="0"/>
+              <a:t>Third level</a:t>
             </a:r>
           </a:p>
           <a:p>
             <a:pPr lvl="3"/>
             <a:r>
-              <a:rPr lang="ru-RU" smtClean="0"/>
-              <a:t>Четвертый уровень</a:t>
+              <a:rPr lang="en-US" smtClean="0"/>
+              <a:t>Fourth level</a:t>
             </a:r>
           </a:p>
           <a:p>
             <a:pPr lvl="4"/>
             <a:r>
-              <a:rPr lang="ru-RU" smtClean="0"/>
-              <a:t>Пятый уровень</a:t>
-            </a:r>
-            <a:endParaRPr lang="ru-RU" dirty="0"/>
-          </a:p>
-        </p:txBody>
-      </p:sp>
-      <p:sp>
-        <p:nvSpPr>
-          <p:cNvPr id="7" name="Дата 6"/>
+              <a:rPr lang="en-US" smtClean="0"/>
+              <a:t>Fifth level</a:t>
+            </a:r>
+            <a:endParaRPr lang="en-US" dirty="0"/>
+          </a:p>
+        </p:txBody>
+      </p:sp>
+      <p:sp>
+        <p:nvSpPr>
+          <p:cNvPr id="7" name="Date Placeholder 6"/>
           <p:cNvSpPr>
             <a:spLocks noGrp="1"/>
           </p:cNvSpPr>
@@ -2267,16 +2267,16 @@
           <a:lstStyle/>
           <a:p>
             <a:fld id="{51E84241-D031-42DE-84E4-CC10C30232F4}" type="datetimeFigureOut">
-              <a:rPr lang="ru-RU" smtClean="0"/>
+              <a:rPr lang="en-US" smtClean="0"/>
               <a:t>22.10.2013</a:t>
             </a:fld>
-            <a:endParaRPr lang="ru-RU"/>
-          </a:p>
-        </p:txBody>
-      </p:sp>
-      <p:sp>
-        <p:nvSpPr>
-          <p:cNvPr id="8" name="Нижний колонтитул 7"/>
+            <a:endParaRPr lang="en-US"/>
+          </a:p>
+        </p:txBody>
+      </p:sp>
+      <p:sp>
+        <p:nvSpPr>
+          <p:cNvPr id="8" name="Footer Placeholder 7"/>
           <p:cNvSpPr>
             <a:spLocks noGrp="1"/>
           </p:cNvSpPr>
@@ -2289,13 +2289,13 @@
           <a:bodyPr/>
           <a:lstStyle/>
           <a:p>
-            <a:endParaRPr lang="ru-RU"/>
-          </a:p>
-        </p:txBody>
-      </p:sp>
-      <p:sp>
-        <p:nvSpPr>
-          <p:cNvPr id="9" name="Номер слайда 8"/>
+            <a:endParaRPr lang="en-US"/>
+          </a:p>
+        </p:txBody>
+      </p:sp>
+      <p:sp>
+        <p:nvSpPr>
+          <p:cNvPr id="9" name="Slide Number Placeholder 8"/>
           <p:cNvSpPr>
             <a:spLocks noGrp="1"/>
           </p:cNvSpPr>
@@ -2309,10 +2309,10 @@
           <a:lstStyle/>
           <a:p>
             <a:fld id="{6B5AA3AA-5EA9-4976-BF6C-9891F6110747}" type="slidenum">
-              <a:rPr lang="ru-RU" smtClean="0"/>
+              <a:rPr lang="en-US" smtClean="0"/>
               <a:t>‹#›</a:t>
             </a:fld>
-            <a:endParaRPr lang="ru-RU"/>
+            <a:endParaRPr lang="en-US"/>
           </a:p>
         </p:txBody>
       </p:sp>
@@ -2348,7 +2348,7 @@
       </p:grpSpPr>
       <p:sp>
         <p:nvSpPr>
-          <p:cNvPr id="2" name="Заголовок 1"/>
+          <p:cNvPr id="2" name="Title 1"/>
           <p:cNvSpPr>
             <a:spLocks noGrp="1"/>
           </p:cNvSpPr>
@@ -2362,16 +2362,16 @@
           <a:lstStyle/>
           <a:p>
             <a:r>
-              <a:rPr lang="ru-RU" smtClean="0"/>
-              <a:t>Образец заголовка</a:t>
-            </a:r>
-            <a:endParaRPr lang="ru-RU"/>
-          </a:p>
-        </p:txBody>
-      </p:sp>
-      <p:sp>
-        <p:nvSpPr>
-          <p:cNvPr id="3" name="Дата 2"/>
+              <a:rPr lang="en-US" smtClean="0"/>
+              <a:t>Click to edit Master title style</a:t>
+            </a:r>
+            <a:endParaRPr lang="en-US"/>
+          </a:p>
+        </p:txBody>
+      </p:sp>
+      <p:sp>
+        <p:nvSpPr>
+          <p:cNvPr id="3" name="Date Placeholder 2"/>
           <p:cNvSpPr>
             <a:spLocks noGrp="1"/>
           </p:cNvSpPr>
@@ -2385,16 +2385,16 @@
           <a:lstStyle/>
           <a:p>
             <a:fld id="{51E84241-D031-42DE-84E4-CC10C30232F4}" type="datetimeFigureOut">
-              <a:rPr lang="ru-RU" smtClean="0"/>
+              <a:rPr lang="en-US" smtClean="0"/>
               <a:t>22.10.2013</a:t>
             </a:fld>
-            <a:endParaRPr lang="ru-RU"/>
-          </a:p>
-        </p:txBody>
-      </p:sp>
-      <p:sp>
-        <p:nvSpPr>
-          <p:cNvPr id="4" name="Нижний колонтитул 3"/>
+            <a:endParaRPr lang="en-US"/>
+          </a:p>
+        </p:txBody>
+      </p:sp>
+      <p:sp>
+        <p:nvSpPr>
+          <p:cNvPr id="4" name="Footer Placeholder 3"/>
           <p:cNvSpPr>
             <a:spLocks noGrp="1"/>
           </p:cNvSpPr>
@@ -2407,13 +2407,13 @@
           <a:bodyPr/>
           <a:lstStyle/>
           <a:p>
-            <a:endParaRPr lang="ru-RU"/>
-          </a:p>
-        </p:txBody>
-      </p:sp>
-      <p:sp>
-        <p:nvSpPr>
-          <p:cNvPr id="5" name="Номер слайда 4"/>
+            <a:endParaRPr lang="en-US"/>
+          </a:p>
+        </p:txBody>
+      </p:sp>
+      <p:sp>
+        <p:nvSpPr>
+          <p:cNvPr id="5" name="Slide Number Placeholder 4"/>
           <p:cNvSpPr>
             <a:spLocks noGrp="1"/>
           </p:cNvSpPr>
@@ -2427,10 +2427,10 @@
           <a:lstStyle/>
           <a:p>
             <a:fld id="{6B5AA3AA-5EA9-4976-BF6C-9891F6110747}" type="slidenum">
-              <a:rPr lang="ru-RU" smtClean="0"/>
+              <a:rPr lang="en-US" smtClean="0"/>
               <a:t>‹#›</a:t>
             </a:fld>
-            <a:endParaRPr lang="ru-RU"/>
+            <a:endParaRPr lang="en-US"/>
           </a:p>
         </p:txBody>
       </p:sp>
@@ -2466,7 +2466,7 @@
       </p:grpSpPr>
       <p:sp>
         <p:nvSpPr>
-          <p:cNvPr id="2" name="Дата 1"/>
+          <p:cNvPr id="2" name="Date Placeholder 1"/>
           <p:cNvSpPr>
             <a:spLocks noGrp="1"/>
           </p:cNvSpPr>
@@ -2480,16 +2480,16 @@
           <a:lstStyle/>
           <a:p>
             <a:fld id="{51E84241-D031-42DE-84E4-CC10C30232F4}" type="datetimeFigureOut">
-              <a:rPr lang="ru-RU" smtClean="0"/>
+              <a:rPr lang="en-US" smtClean="0"/>
               <a:t>22.10.2013</a:t>
             </a:fld>
-            <a:endParaRPr lang="ru-RU"/>
-          </a:p>
-        </p:txBody>
-      </p:sp>
-      <p:sp>
-        <p:nvSpPr>
-          <p:cNvPr id="3" name="Нижний колонтитул 2"/>
+            <a:endParaRPr lang="en-US"/>
+          </a:p>
+        </p:txBody>
+      </p:sp>
+      <p:sp>
+        <p:nvSpPr>
+          <p:cNvPr id="3" name="Footer Placeholder 2"/>
           <p:cNvSpPr>
             <a:spLocks noGrp="1"/>
           </p:cNvSpPr>
@@ -2502,13 +2502,13 @@
           <a:bodyPr/>
           <a:lstStyle/>
           <a:p>
-            <a:endParaRPr lang="ru-RU"/>
-          </a:p>
-        </p:txBody>
-      </p:sp>
-      <p:sp>
-        <p:nvSpPr>
-          <p:cNvPr id="4" name="Номер слайда 3"/>
+            <a:endParaRPr lang="en-US"/>
+          </a:p>
+        </p:txBody>
+      </p:sp>
+      <p:sp>
+        <p:nvSpPr>
+          <p:cNvPr id="4" name="Slide Number Placeholder 3"/>
           <p:cNvSpPr>
             <a:spLocks noGrp="1"/>
           </p:cNvSpPr>
@@ -2522,10 +2522,10 @@
           <a:lstStyle/>
           <a:p>
             <a:fld id="{6B5AA3AA-5EA9-4976-BF6C-9891F6110747}" type="slidenum">
-              <a:rPr lang="ru-RU" smtClean="0"/>
+              <a:rPr lang="en-US" smtClean="0"/>
               <a:t>‹#›</a:t>
             </a:fld>
-            <a:endParaRPr lang="ru-RU"/>
+            <a:endParaRPr lang="en-US"/>
           </a:p>
         </p:txBody>
       </p:sp>
@@ -2561,7 +2561,7 @@
       </p:grpSpPr>
       <p:sp>
         <p:nvSpPr>
-          <p:cNvPr id="3" name="Объект 2"/>
+          <p:cNvPr id="3" name="Content Placeholder 2"/>
           <p:cNvSpPr>
             <a:spLocks noGrp="1"/>
           </p:cNvSpPr>
@@ -2612,44 +2612,44 @@
           <a:p>
             <a:pPr lvl="0"/>
             <a:r>
-              <a:rPr lang="ru-RU" dirty="0" smtClean="0"/>
-              <a:t>Образец текста</a:t>
+              <a:rPr lang="en-US" dirty="0" smtClean="0"/>
+              <a:t>Click to edit Master text styles</a:t>
             </a:r>
           </a:p>
           <a:p>
             <a:pPr lvl="1"/>
             <a:r>
-              <a:rPr lang="ru-RU" dirty="0" smtClean="0"/>
-              <a:t>Второй уровень</a:t>
+              <a:rPr lang="en-US" dirty="0" smtClean="0"/>
+              <a:t>Second level</a:t>
             </a:r>
           </a:p>
           <a:p>
             <a:pPr lvl="2"/>
             <a:r>
-              <a:rPr lang="ru-RU" dirty="0" smtClean="0"/>
-              <a:t>Третий уровень</a:t>
+              <a:rPr lang="en-US" dirty="0" smtClean="0"/>
+              <a:t>Third level</a:t>
             </a:r>
           </a:p>
           <a:p>
             <a:pPr lvl="3"/>
             <a:r>
-              <a:rPr lang="ru-RU" dirty="0" smtClean="0"/>
-              <a:t>Четвертый уровень</a:t>
+              <a:rPr lang="en-US" dirty="0" smtClean="0"/>
+              <a:t>Fourth level</a:t>
             </a:r>
           </a:p>
           <a:p>
             <a:pPr lvl="4"/>
             <a:r>
-              <a:rPr lang="ru-RU" dirty="0" smtClean="0"/>
-              <a:t>Пятый уровень</a:t>
-            </a:r>
-            <a:endParaRPr lang="ru-RU" dirty="0"/>
-          </a:p>
-        </p:txBody>
-      </p:sp>
-      <p:sp>
-        <p:nvSpPr>
-          <p:cNvPr id="4" name="Текст 3"/>
+              <a:rPr lang="en-US" dirty="0" smtClean="0"/>
+              <a:t>Fifth level</a:t>
+            </a:r>
+            <a:endParaRPr lang="en-US" dirty="0"/>
+          </a:p>
+        </p:txBody>
+      </p:sp>
+      <p:sp>
+        <p:nvSpPr>
+          <p:cNvPr id="4" name="Text Placeholder 3"/>
           <p:cNvSpPr>
             <a:spLocks noGrp="1"/>
           </p:cNvSpPr>
@@ -2709,15 +2709,15 @@
           <a:p>
             <a:pPr lvl="0"/>
             <a:r>
-              <a:rPr lang="ru-RU" dirty="0" smtClean="0"/>
-              <a:t>Образец текста</a:t>
-            </a:r>
-          </a:p>
-        </p:txBody>
-      </p:sp>
-      <p:sp>
-        <p:nvSpPr>
-          <p:cNvPr id="5" name="Дата 4"/>
+              <a:rPr lang="en-US" dirty="0" smtClean="0"/>
+              <a:t>Click to edit Master text styles</a:t>
+            </a:r>
+          </a:p>
+        </p:txBody>
+      </p:sp>
+      <p:sp>
+        <p:nvSpPr>
+          <p:cNvPr id="5" name="Date Placeholder 4"/>
           <p:cNvSpPr>
             <a:spLocks noGrp="1"/>
           </p:cNvSpPr>
@@ -2731,16 +2731,16 @@
           <a:lstStyle/>
           <a:p>
             <a:fld id="{51E84241-D031-42DE-84E4-CC10C30232F4}" type="datetimeFigureOut">
-              <a:rPr lang="ru-RU" smtClean="0"/>
+              <a:rPr lang="en-US" smtClean="0"/>
               <a:t>22.10.2013</a:t>
             </a:fld>
-            <a:endParaRPr lang="ru-RU"/>
-          </a:p>
-        </p:txBody>
-      </p:sp>
-      <p:sp>
-        <p:nvSpPr>
-          <p:cNvPr id="6" name="Нижний колонтитул 5"/>
+            <a:endParaRPr lang="en-US"/>
+          </a:p>
+        </p:txBody>
+      </p:sp>
+      <p:sp>
+        <p:nvSpPr>
+          <p:cNvPr id="6" name="Footer Placeholder 5"/>
           <p:cNvSpPr>
             <a:spLocks noGrp="1"/>
           </p:cNvSpPr>
@@ -2753,13 +2753,13 @@
           <a:bodyPr/>
           <a:lstStyle/>
           <a:p>
-            <a:endParaRPr lang="ru-RU"/>
-          </a:p>
-        </p:txBody>
-      </p:sp>
-      <p:sp>
-        <p:nvSpPr>
-          <p:cNvPr id="7" name="Номер слайда 6"/>
+            <a:endParaRPr lang="en-US"/>
+          </a:p>
+        </p:txBody>
+      </p:sp>
+      <p:sp>
+        <p:nvSpPr>
+          <p:cNvPr id="7" name="Slide Number Placeholder 6"/>
           <p:cNvSpPr>
             <a:spLocks noGrp="1"/>
           </p:cNvSpPr>
@@ -2773,16 +2773,16 @@
           <a:lstStyle/>
           <a:p>
             <a:fld id="{6B5AA3AA-5EA9-4976-BF6C-9891F6110747}" type="slidenum">
-              <a:rPr lang="ru-RU" smtClean="0"/>
+              <a:rPr lang="en-US" smtClean="0"/>
               <a:t>‹#›</a:t>
             </a:fld>
-            <a:endParaRPr lang="ru-RU"/>
-          </a:p>
-        </p:txBody>
-      </p:sp>
-      <p:sp>
-        <p:nvSpPr>
-          <p:cNvPr id="8" name="Заголовок 1"/>
+            <a:endParaRPr lang="en-US"/>
+          </a:p>
+        </p:txBody>
+      </p:sp>
+      <p:sp>
+        <p:nvSpPr>
+          <p:cNvPr id="8" name="Title 1"/>
           <p:cNvSpPr>
             <a:spLocks noGrp="1"/>
           </p:cNvSpPr>
@@ -2801,10 +2801,10 @@
           <a:lstStyle/>
           <a:p>
             <a:r>
-              <a:rPr lang="ru-RU" smtClean="0"/>
-              <a:t>Образец заголовка</a:t>
-            </a:r>
-            <a:endParaRPr lang="ru-RU"/>
+              <a:rPr lang="en-US" smtClean="0"/>
+              <a:t>Click to edit Master title style</a:t>
+            </a:r>
+            <a:endParaRPr lang="en-US"/>
           </a:p>
         </p:txBody>
       </p:sp>
@@ -2840,7 +2840,7 @@
       </p:grpSpPr>
       <p:sp>
         <p:nvSpPr>
-          <p:cNvPr id="3" name="Рисунок 2"/>
+          <p:cNvPr id="3" name="Picture Placeholder 2"/>
           <p:cNvSpPr>
             <a:spLocks noGrp="1"/>
           </p:cNvSpPr>
@@ -2896,16 +2896,16 @@
           </a:lstStyle>
           <a:p>
             <a:r>
-              <a:rPr lang="ru-RU" smtClean="0"/>
-              <a:t>Вставка рисунка</a:t>
-            </a:r>
-            <a:endParaRPr lang="ru-RU"/>
-          </a:p>
-        </p:txBody>
-      </p:sp>
-      <p:sp>
-        <p:nvSpPr>
-          <p:cNvPr id="4" name="Текст 3"/>
+              <a:rPr lang="en-US" smtClean="0"/>
+              <a:t>Click icon to add picture</a:t>
+            </a:r>
+            <a:endParaRPr lang="en-US"/>
+          </a:p>
+        </p:txBody>
+      </p:sp>
+      <p:sp>
+        <p:nvSpPr>
+          <p:cNvPr id="4" name="Text Placeholder 3"/>
           <p:cNvSpPr>
             <a:spLocks noGrp="1"/>
           </p:cNvSpPr>
@@ -2962,15 +2962,15 @@
           <a:p>
             <a:pPr lvl="0"/>
             <a:r>
-              <a:rPr lang="ru-RU" smtClean="0"/>
-              <a:t>Образец текста</a:t>
-            </a:r>
-          </a:p>
-        </p:txBody>
-      </p:sp>
-      <p:sp>
-        <p:nvSpPr>
-          <p:cNvPr id="5" name="Дата 4"/>
+              <a:rPr lang="en-US" smtClean="0"/>
+              <a:t>Click to edit Master text styles</a:t>
+            </a:r>
+          </a:p>
+        </p:txBody>
+      </p:sp>
+      <p:sp>
+        <p:nvSpPr>
+          <p:cNvPr id="5" name="Date Placeholder 4"/>
           <p:cNvSpPr>
             <a:spLocks noGrp="1"/>
           </p:cNvSpPr>
@@ -2984,16 +2984,16 @@
           <a:lstStyle/>
           <a:p>
             <a:fld id="{51E84241-D031-42DE-84E4-CC10C30232F4}" type="datetimeFigureOut">
-              <a:rPr lang="ru-RU" smtClean="0"/>
+              <a:rPr lang="en-US" smtClean="0"/>
               <a:t>22.10.2013</a:t>
             </a:fld>
-            <a:endParaRPr lang="ru-RU"/>
-          </a:p>
-        </p:txBody>
-      </p:sp>
-      <p:sp>
-        <p:nvSpPr>
-          <p:cNvPr id="6" name="Нижний колонтитул 5"/>
+            <a:endParaRPr lang="en-US"/>
+          </a:p>
+        </p:txBody>
+      </p:sp>
+      <p:sp>
+        <p:nvSpPr>
+          <p:cNvPr id="6" name="Footer Placeholder 5"/>
           <p:cNvSpPr>
             <a:spLocks noGrp="1"/>
           </p:cNvSpPr>
@@ -3006,13 +3006,13 @@
           <a:bodyPr/>
           <a:lstStyle/>
           <a:p>
-            <a:endParaRPr lang="ru-RU"/>
-          </a:p>
-        </p:txBody>
-      </p:sp>
-      <p:sp>
-        <p:nvSpPr>
-          <p:cNvPr id="7" name="Номер слайда 6"/>
+            <a:endParaRPr lang="en-US"/>
+          </a:p>
+        </p:txBody>
+      </p:sp>
+      <p:sp>
+        <p:nvSpPr>
+          <p:cNvPr id="7" name="Slide Number Placeholder 6"/>
           <p:cNvSpPr>
             <a:spLocks noGrp="1"/>
           </p:cNvSpPr>
@@ -3026,16 +3026,16 @@
           <a:lstStyle/>
           <a:p>
             <a:fld id="{6B5AA3AA-5EA9-4976-BF6C-9891F6110747}" type="slidenum">
-              <a:rPr lang="ru-RU" smtClean="0"/>
+              <a:rPr lang="en-US" smtClean="0"/>
               <a:t>‹#›</a:t>
             </a:fld>
-            <a:endParaRPr lang="ru-RU"/>
-          </a:p>
-        </p:txBody>
-      </p:sp>
-      <p:sp>
-        <p:nvSpPr>
-          <p:cNvPr id="8" name="Заголовок 1"/>
+            <a:endParaRPr lang="en-US"/>
+          </a:p>
+        </p:txBody>
+      </p:sp>
+      <p:sp>
+        <p:nvSpPr>
+          <p:cNvPr id="8" name="Title 1"/>
           <p:cNvSpPr>
             <a:spLocks noGrp="1"/>
           </p:cNvSpPr>
@@ -3054,10 +3054,10 @@
           <a:lstStyle/>
           <a:p>
             <a:r>
-              <a:rPr lang="ru-RU" smtClean="0"/>
-              <a:t>Образец заголовка</a:t>
-            </a:r>
-            <a:endParaRPr lang="ru-RU"/>
+              <a:rPr lang="en-US" smtClean="0"/>
+              <a:t>Click to edit Master title style</a:t>
+            </a:r>
+            <a:endParaRPr lang="en-US"/>
           </a:p>
         </p:txBody>
       </p:sp>
@@ -3166,36 +3166,36 @@
           <a:p>
             <a:pPr lvl="0"/>
             <a:r>
-              <a:rPr lang="ru-RU" dirty="0" smtClean="0"/>
-              <a:t>Образец текста</a:t>
+              <a:rPr lang="en-US" dirty="0" smtClean="0"/>
+              <a:t>Click to edit Master text styles</a:t>
             </a:r>
           </a:p>
           <a:p>
             <a:pPr lvl="1"/>
             <a:r>
-              <a:rPr lang="ru-RU" dirty="0" smtClean="0"/>
-              <a:t>Второй уровень</a:t>
+              <a:rPr lang="en-US" dirty="0" smtClean="0"/>
+              <a:t>Second level</a:t>
             </a:r>
           </a:p>
           <a:p>
             <a:pPr lvl="2"/>
             <a:r>
-              <a:rPr lang="ru-RU" dirty="0" smtClean="0"/>
-              <a:t>Третий уровень</a:t>
+              <a:rPr lang="en-US" dirty="0" smtClean="0"/>
+              <a:t>Third level</a:t>
             </a:r>
           </a:p>
           <a:p>
             <a:pPr lvl="3"/>
             <a:r>
-              <a:rPr lang="ru-RU" dirty="0" smtClean="0"/>
-              <a:t>Четвертый уровень</a:t>
+              <a:rPr lang="en-US" dirty="0" smtClean="0"/>
+              <a:t>Fourth level</a:t>
             </a:r>
           </a:p>
           <a:p>
             <a:pPr lvl="4"/>
             <a:r>
-              <a:rPr lang="ru-RU" dirty="0" smtClean="0"/>
-              <a:t>Пятый уровень</a:t>
+              <a:rPr lang="en-US" dirty="0" smtClean="0"/>
+              <a:t>Fifth level</a:t>
             </a:r>
             <a:endParaRPr lang="en-US" dirty="0"/>
           </a:p>
@@ -3203,7 +3203,7 @@
       </p:sp>
       <p:sp>
         <p:nvSpPr>
-          <p:cNvPr id="5" name="Дата 3"/>
+          <p:cNvPr id="5" name="Date Placeholder 3"/>
           <p:cNvSpPr>
             <a:spLocks noGrp="1"/>
           </p:cNvSpPr>
@@ -3233,17 +3233,17 @@
           </a:lstStyle>
           <a:p>
             <a:fld id="{51E84241-D031-42DE-84E4-CC10C30232F4}" type="datetimeFigureOut">
-              <a:rPr lang="ru-RU" smtClean="0"/>
+              <a:rPr lang="en-US" smtClean="0"/>
               <a:pPr/>
               <a:t>22.10.2013</a:t>
             </a:fld>
-            <a:endParaRPr lang="ru-RU" dirty="0"/>
-          </a:p>
-        </p:txBody>
-      </p:sp>
-      <p:sp>
-        <p:nvSpPr>
-          <p:cNvPr id="6" name="Нижний колонтитул 4"/>
+            <a:endParaRPr lang="en-US" dirty="0"/>
+          </a:p>
+        </p:txBody>
+      </p:sp>
+      <p:sp>
+        <p:nvSpPr>
+          <p:cNvPr id="6" name="Footer Placeholder 4"/>
           <p:cNvSpPr>
             <a:spLocks noGrp="1"/>
           </p:cNvSpPr>
@@ -3272,13 +3272,13 @@
             </a:lvl1pPr>
           </a:lstStyle>
           <a:p>
-            <a:endParaRPr lang="ru-RU" dirty="0"/>
-          </a:p>
-        </p:txBody>
-      </p:sp>
-      <p:sp>
-        <p:nvSpPr>
-          <p:cNvPr id="8" name="Номер слайда 8"/>
+            <a:endParaRPr lang="en-US" dirty="0"/>
+          </a:p>
+        </p:txBody>
+      </p:sp>
+      <p:sp>
+        <p:nvSpPr>
+          <p:cNvPr id="8" name="Slide Number Placeholder 8"/>
           <p:cNvSpPr>
             <a:spLocks noGrp="1"/>
           </p:cNvSpPr>
@@ -3308,11 +3308,11 @@
           </a:lstStyle>
           <a:p>
             <a:fld id="{6B5AA3AA-5EA9-4976-BF6C-9891F6110747}" type="slidenum">
-              <a:rPr lang="ru-RU" smtClean="0"/>
+              <a:rPr lang="en-US" smtClean="0"/>
               <a:pPr/>
               <a:t>‹#›</a:t>
             </a:fld>
-            <a:endParaRPr lang="ru-RU"/>
+            <a:endParaRPr lang="en-US"/>
           </a:p>
         </p:txBody>
       </p:sp>
@@ -3657,7 +3657,7 @@
       </p:grpSpPr>
       <p:sp>
         <p:nvSpPr>
-          <p:cNvPr id="2" name="Подзаголовок 1"/>
+          <p:cNvPr id="2" name="Subtitle 1"/>
           <p:cNvSpPr>
             <a:spLocks noGrp="1"/>
           </p:cNvSpPr>
@@ -3670,13 +3670,13 @@
           <a:bodyPr/>
           <a:lstStyle/>
           <a:p>
-            <a:endParaRPr lang="ru-RU" dirty="0"/>
-          </a:p>
-        </p:txBody>
-      </p:sp>
-      <p:sp>
-        <p:nvSpPr>
-          <p:cNvPr id="3" name="Заголовок 2"/>
+            <a:endParaRPr lang="en-US" dirty="0"/>
+          </a:p>
+        </p:txBody>
+      </p:sp>
+      <p:sp>
+        <p:nvSpPr>
+          <p:cNvPr id="3" name="Title 2"/>
           <p:cNvSpPr>
             <a:spLocks noGrp="1"/>
           </p:cNvSpPr>
@@ -3689,7 +3689,7 @@
           <a:bodyPr/>
           <a:lstStyle/>
           <a:p>
-            <a:endParaRPr lang="ru-RU" dirty="0"/>
+            <a:endParaRPr lang="en-US" dirty="0"/>
           </a:p>
         </p:txBody>
       </p:sp>
@@ -3755,7 +3755,7 @@
         <a:srgbClr val="7F6F6F"/>
       </a:folHlink>
     </a:clrScheme>
-    <a:fontScheme name="Классическая">
+    <a:fontScheme name="Classic">
       <a:majorFont>
         <a:latin typeface="Arial"/>
         <a:ea typeface=""/>
